--- a/Examples/Data/Source/Presentation Templates/Common List.pptx
+++ b/Examples/Data/Source/Presentation Templates/Common List.pptx
@@ -243,7 +243,7 @@
           <a:p>
             <a:fld id="{34AA87A3-AC61-42F8-8A15-93C83399576B}" type="datetimeFigureOut">
               <a:rPr lang="ru-RU" smtClean="0"/>
-              <a:t>16.11.2015</a:t>
+              <a:t>29.01.2016</a:t>
             </a:fld>
             <a:endParaRPr lang="ru-RU"/>
           </a:p>
@@ -413,7 +413,7 @@
           <a:p>
             <a:fld id="{34AA87A3-AC61-42F8-8A15-93C83399576B}" type="datetimeFigureOut">
               <a:rPr lang="ru-RU" smtClean="0"/>
-              <a:t>16.11.2015</a:t>
+              <a:t>29.01.2016</a:t>
             </a:fld>
             <a:endParaRPr lang="ru-RU"/>
           </a:p>
@@ -593,7 +593,7 @@
           <a:p>
             <a:fld id="{34AA87A3-AC61-42F8-8A15-93C83399576B}" type="datetimeFigureOut">
               <a:rPr lang="ru-RU" smtClean="0"/>
-              <a:t>16.11.2015</a:t>
+              <a:t>29.01.2016</a:t>
             </a:fld>
             <a:endParaRPr lang="ru-RU"/>
           </a:p>
@@ -763,7 +763,7 @@
           <a:p>
             <a:fld id="{34AA87A3-AC61-42F8-8A15-93C83399576B}" type="datetimeFigureOut">
               <a:rPr lang="ru-RU" smtClean="0"/>
-              <a:t>16.11.2015</a:t>
+              <a:t>29.01.2016</a:t>
             </a:fld>
             <a:endParaRPr lang="ru-RU"/>
           </a:p>
@@ -1009,7 +1009,7 @@
           <a:p>
             <a:fld id="{34AA87A3-AC61-42F8-8A15-93C83399576B}" type="datetimeFigureOut">
               <a:rPr lang="ru-RU" smtClean="0"/>
-              <a:t>16.11.2015</a:t>
+              <a:t>29.01.2016</a:t>
             </a:fld>
             <a:endParaRPr lang="ru-RU"/>
           </a:p>
@@ -1241,7 +1241,7 @@
           <a:p>
             <a:fld id="{34AA87A3-AC61-42F8-8A15-93C83399576B}" type="datetimeFigureOut">
               <a:rPr lang="ru-RU" smtClean="0"/>
-              <a:t>16.11.2015</a:t>
+              <a:t>29.01.2016</a:t>
             </a:fld>
             <a:endParaRPr lang="ru-RU"/>
           </a:p>
@@ -1608,7 +1608,7 @@
           <a:p>
             <a:fld id="{34AA87A3-AC61-42F8-8A15-93C83399576B}" type="datetimeFigureOut">
               <a:rPr lang="ru-RU" smtClean="0"/>
-              <a:t>16.11.2015</a:t>
+              <a:t>29.01.2016</a:t>
             </a:fld>
             <a:endParaRPr lang="ru-RU"/>
           </a:p>
@@ -1726,7 +1726,7 @@
           <a:p>
             <a:fld id="{34AA87A3-AC61-42F8-8A15-93C83399576B}" type="datetimeFigureOut">
               <a:rPr lang="ru-RU" smtClean="0"/>
-              <a:t>16.11.2015</a:t>
+              <a:t>29.01.2016</a:t>
             </a:fld>
             <a:endParaRPr lang="ru-RU"/>
           </a:p>
@@ -1821,7 +1821,7 @@
           <a:p>
             <a:fld id="{34AA87A3-AC61-42F8-8A15-93C83399576B}" type="datetimeFigureOut">
               <a:rPr lang="ru-RU" smtClean="0"/>
-              <a:t>16.11.2015</a:t>
+              <a:t>29.01.2016</a:t>
             </a:fld>
             <a:endParaRPr lang="ru-RU"/>
           </a:p>
@@ -2098,7 +2098,7 @@
           <a:p>
             <a:fld id="{34AA87A3-AC61-42F8-8A15-93C83399576B}" type="datetimeFigureOut">
               <a:rPr lang="ru-RU" smtClean="0"/>
-              <a:t>16.11.2015</a:t>
+              <a:t>29.01.2016</a:t>
             </a:fld>
             <a:endParaRPr lang="ru-RU"/>
           </a:p>
@@ -2351,7 +2351,7 @@
           <a:p>
             <a:fld id="{34AA87A3-AC61-42F8-8A15-93C83399576B}" type="datetimeFigureOut">
               <a:rPr lang="ru-RU" smtClean="0"/>
-              <a:t>16.11.2015</a:t>
+              <a:t>29.01.2016</a:t>
             </a:fld>
             <a:endParaRPr lang="ru-RU"/>
           </a:p>
@@ -2564,7 +2564,7 @@
           <a:p>
             <a:fld id="{34AA87A3-AC61-42F8-8A15-93C83399576B}" type="datetimeFigureOut">
               <a:rPr lang="ru-RU" smtClean="0"/>
-              <a:t>16.11.2015</a:t>
+              <a:t>29.01.2016</a:t>
             </a:fld>
             <a:endParaRPr lang="ru-RU"/>
           </a:p>
@@ -3020,27 +3020,23 @@
             </a:pPr>
             <a:r>
               <a:rPr lang="en-US" dirty="0"/>
-              <a:t>&lt;&lt;</a:t>
-            </a:r>
-            <a:r>
-              <a:rPr lang="en-US" dirty="0" err="1"/>
-              <a:t>foreach</a:t>
-            </a:r>
-            <a:r>
-              <a:rPr lang="en-US" dirty="0"/>
-              <a:t> [in </a:t>
+              <a:t>&lt;&lt;foreach </a:t>
+            </a:r>
+            <a:r>
+              <a:rPr lang="en-US"/>
+              <a:t>[</a:t>
+            </a:r>
+            <a:r>
+              <a:rPr lang="en-US" smtClean="0"/>
+              <a:t>in customers</a:t>
             </a:r>
             <a:r>
               <a:rPr lang="en-US" dirty="0" smtClean="0"/>
-              <a:t>customers]&gt;&gt;</a:t>
+              <a:t>]&gt;&gt;</a:t>
             </a:r>
             <a:r>
               <a:rPr lang="en-US" b="1" dirty="0" smtClean="0"/>
-              <a:t>&lt;&lt;[</a:t>
-            </a:r>
-            <a:r>
-              <a:rPr lang="en-US" b="1" smtClean="0"/>
-              <a:t>CustomerName</a:t>
+              <a:t>&lt;&lt;[CustomerName</a:t>
             </a:r>
             <a:r>
               <a:rPr lang="en-US" b="1" dirty="0"/>
@@ -3078,6 +3074,13 @@
   <p:clrMapOvr>
     <a:masterClrMapping/>
   </p:clrMapOvr>
+  <p:timing>
+    <p:tnLst>
+      <p:par>
+        <p:cTn id="1" dur="indefinite" restart="never" nodeType="tmRoot"/>
+      </p:par>
+    </p:tnLst>
+  </p:timing>
 </p:sld>
 </file>
 
